--- a/anaconda.pptx
+++ b/anaconda.pptx
@@ -5,18 +5,20 @@
     <p:sldMasterId id="2147483673" r:id="rId1"/>
   </p:sldMasterIdLst>
   <p:notesMasterIdLst>
-    <p:notesMasterId r:id="rId11"/>
+    <p:notesMasterId r:id="rId13"/>
   </p:notesMasterIdLst>
   <p:sldIdLst>
     <p:sldId id="1210" r:id="rId2"/>
-    <p:sldId id="1222" r:id="rId3"/>
-    <p:sldId id="1216" r:id="rId4"/>
-    <p:sldId id="1220" r:id="rId5"/>
-    <p:sldId id="1218" r:id="rId6"/>
-    <p:sldId id="1223" r:id="rId7"/>
-    <p:sldId id="1224" r:id="rId8"/>
-    <p:sldId id="1221" r:id="rId9"/>
-    <p:sldId id="1217" r:id="rId10"/>
+    <p:sldId id="1225" r:id="rId3"/>
+    <p:sldId id="1226" r:id="rId4"/>
+    <p:sldId id="1222" r:id="rId5"/>
+    <p:sldId id="1216" r:id="rId6"/>
+    <p:sldId id="1220" r:id="rId7"/>
+    <p:sldId id="1218" r:id="rId8"/>
+    <p:sldId id="1223" r:id="rId9"/>
+    <p:sldId id="1224" r:id="rId10"/>
+    <p:sldId id="1221" r:id="rId11"/>
+    <p:sldId id="1217" r:id="rId12"/>
   </p:sldIdLst>
   <p:sldSz cx="12192000" cy="6858000"/>
   <p:notesSz cx="6858000" cy="9144000"/>
@@ -205,7 +207,7 @@
           <a:p>
             <a:fld id="{B176FF22-B1CA-4671-AC40-D6AD1168A308}" type="datetimeFigureOut">
               <a:rPr kumimoji="1" lang="ja-JP" altLang="en-US" smtClean="0"/>
-              <a:t>2024/4/8</a:t>
+              <a:t>2024/4/11</a:t>
             </a:fld>
             <a:endParaRPr kumimoji="1" lang="ja-JP" altLang="en-US"/>
           </a:p>
@@ -635,7 +637,7 @@
           <a:p>
             <a:fld id="{2ABC02D7-CBD1-4D33-B166-78A898DF0F76}" type="datetimeFigureOut">
               <a:rPr kumimoji="1" lang="ja-JP" altLang="en-US" smtClean="0"/>
-              <a:t>2024/4/8</a:t>
+              <a:t>2024/4/11</a:t>
             </a:fld>
             <a:endParaRPr kumimoji="1" lang="ja-JP" altLang="en-US"/>
           </a:p>
@@ -837,7 +839,7 @@
           <a:p>
             <a:fld id="{2ABC02D7-CBD1-4D33-B166-78A898DF0F76}" type="datetimeFigureOut">
               <a:rPr kumimoji="1" lang="ja-JP" altLang="en-US" smtClean="0"/>
-              <a:t>2024/4/8</a:t>
+              <a:t>2024/4/11</a:t>
             </a:fld>
             <a:endParaRPr kumimoji="1" lang="ja-JP" altLang="en-US"/>
           </a:p>
@@ -1049,7 +1051,7 @@
           <a:p>
             <a:fld id="{2ABC02D7-CBD1-4D33-B166-78A898DF0F76}" type="datetimeFigureOut">
               <a:rPr kumimoji="1" lang="ja-JP" altLang="en-US" smtClean="0"/>
-              <a:t>2024/4/8</a:t>
+              <a:t>2024/4/11</a:t>
             </a:fld>
             <a:endParaRPr kumimoji="1" lang="ja-JP" altLang="en-US"/>
           </a:p>
@@ -1282,7 +1284,7 @@
           <a:p>
             <a:fld id="{2ABC02D7-CBD1-4D33-B166-78A898DF0F76}" type="datetimeFigureOut">
               <a:rPr kumimoji="1" lang="ja-JP" altLang="en-US" smtClean="0"/>
-              <a:t>2024/4/8</a:t>
+              <a:t>2024/4/11</a:t>
             </a:fld>
             <a:endParaRPr kumimoji="1" lang="ja-JP" altLang="en-US"/>
           </a:p>
@@ -1528,7 +1530,7 @@
           <a:p>
             <a:fld id="{2ABC02D7-CBD1-4D33-B166-78A898DF0F76}" type="datetimeFigureOut">
               <a:rPr kumimoji="1" lang="ja-JP" altLang="en-US" smtClean="0"/>
-              <a:t>2024/4/8</a:t>
+              <a:t>2024/4/11</a:t>
             </a:fld>
             <a:endParaRPr kumimoji="1" lang="ja-JP" altLang="en-US"/>
           </a:p>
@@ -1824,7 +1826,7 @@
           <a:p>
             <a:fld id="{2ABC02D7-CBD1-4D33-B166-78A898DF0F76}" type="datetimeFigureOut">
               <a:rPr kumimoji="1" lang="ja-JP" altLang="en-US" smtClean="0"/>
-              <a:t>2024/4/8</a:t>
+              <a:t>2024/4/11</a:t>
             </a:fld>
             <a:endParaRPr kumimoji="1" lang="ja-JP" altLang="en-US"/>
           </a:p>
@@ -2255,7 +2257,7 @@
           <a:p>
             <a:fld id="{2ABC02D7-CBD1-4D33-B166-78A898DF0F76}" type="datetimeFigureOut">
               <a:rPr kumimoji="1" lang="ja-JP" altLang="en-US" smtClean="0"/>
-              <a:t>2024/4/8</a:t>
+              <a:t>2024/4/11</a:t>
             </a:fld>
             <a:endParaRPr kumimoji="1" lang="ja-JP" altLang="en-US"/>
           </a:p>
@@ -2373,7 +2375,7 @@
           <a:p>
             <a:fld id="{2ABC02D7-CBD1-4D33-B166-78A898DF0F76}" type="datetimeFigureOut">
               <a:rPr kumimoji="1" lang="ja-JP" altLang="en-US" smtClean="0"/>
-              <a:t>2024/4/8</a:t>
+              <a:t>2024/4/11</a:t>
             </a:fld>
             <a:endParaRPr kumimoji="1" lang="ja-JP" altLang="en-US"/>
           </a:p>
@@ -2468,7 +2470,7 @@
           <a:p>
             <a:fld id="{2ABC02D7-CBD1-4D33-B166-78A898DF0F76}" type="datetimeFigureOut">
               <a:rPr kumimoji="1" lang="ja-JP" altLang="en-US" smtClean="0"/>
-              <a:t>2024/4/8</a:t>
+              <a:t>2024/4/11</a:t>
             </a:fld>
             <a:endParaRPr kumimoji="1" lang="ja-JP" altLang="en-US"/>
           </a:p>
@@ -2777,7 +2779,7 @@
           <a:p>
             <a:fld id="{2ABC02D7-CBD1-4D33-B166-78A898DF0F76}" type="datetimeFigureOut">
               <a:rPr kumimoji="1" lang="ja-JP" altLang="en-US" smtClean="0"/>
-              <a:t>2024/4/8</a:t>
+              <a:t>2024/4/11</a:t>
             </a:fld>
             <a:endParaRPr kumimoji="1" lang="ja-JP" altLang="en-US"/>
           </a:p>
@@ -3034,7 +3036,7 @@
           <a:p>
             <a:fld id="{2ABC02D7-CBD1-4D33-B166-78A898DF0F76}" type="datetimeFigureOut">
               <a:rPr kumimoji="1" lang="ja-JP" altLang="en-US" smtClean="0"/>
-              <a:t>2024/4/8</a:t>
+              <a:t>2024/4/11</a:t>
             </a:fld>
             <a:endParaRPr kumimoji="1" lang="ja-JP" altLang="en-US"/>
           </a:p>
@@ -3279,7 +3281,7 @@
           <a:p>
             <a:fld id="{2ABC02D7-CBD1-4D33-B166-78A898DF0F76}" type="datetimeFigureOut">
               <a:rPr kumimoji="1" lang="ja-JP" altLang="en-US" smtClean="0"/>
-              <a:t>2024/4/8</a:t>
+              <a:t>2024/4/11</a:t>
             </a:fld>
             <a:endParaRPr kumimoji="1" lang="ja-JP" altLang="en-US"/>
           </a:p>
@@ -3784,7 +3786,631 @@
 </p:sld>
 </file>
 
+<file path=ppt/slides/slide10.xml><?xml version="1.0" encoding="utf-8"?>
+<p:sld xmlns:a="http://schemas.openxmlformats.org/drawingml/2006/main" xmlns:r="http://schemas.openxmlformats.org/officeDocument/2006/relationships" xmlns:p="http://schemas.openxmlformats.org/presentationml/2006/main">
+  <p:cSld>
+    <p:spTree>
+      <p:nvGrpSpPr>
+        <p:cNvPr id="1" name=""/>
+        <p:cNvGrpSpPr/>
+        <p:nvPr/>
+      </p:nvGrpSpPr>
+      <p:grpSpPr>
+        <a:xfrm>
+          <a:off x="0" y="0"/>
+          <a:ext cx="0" cy="0"/>
+          <a:chOff x="0" y="0"/>
+          <a:chExt cx="0" cy="0"/>
+        </a:xfrm>
+      </p:grpSpPr>
+      <p:sp>
+        <p:nvSpPr>
+          <p:cNvPr id="2" name="テキスト ボックス 1">
+            <a:extLst>
+              <a:ext uri="{FF2B5EF4-FFF2-40B4-BE49-F238E27FC236}">
+                <a16:creationId xmlns:a16="http://schemas.microsoft.com/office/drawing/2014/main" id="{B22256A8-AA38-D186-D9B1-DF1BD3F857F4}"/>
+              </a:ext>
+            </a:extLst>
+          </p:cNvPr>
+          <p:cNvSpPr txBox="1"/>
+          <p:nvPr/>
+        </p:nvSpPr>
+        <p:spPr>
+          <a:xfrm>
+            <a:off x="1278294" y="2202024"/>
+            <a:ext cx="800219" cy="461665"/>
+          </a:xfrm>
+          <a:prstGeom prst="rect">
+            <a:avLst/>
+          </a:prstGeom>
+          <a:noFill/>
+        </p:spPr>
+        <p:txBody>
+          <a:bodyPr wrap="none" rtlCol="0">
+            <a:spAutoFit/>
+          </a:bodyPr>
+          <a:lstStyle/>
+          <a:p>
+            <a:pPr algn="l"/>
+            <a:r>
+              <a:rPr kumimoji="1" lang="ja-JP" altLang="en-US" sz="2400" dirty="0">
+                <a:latin typeface="メイリオ" panose="020B0604030504040204" pitchFamily="50" charset="-128"/>
+                <a:ea typeface="メイリオ" panose="020B0604030504040204" pitchFamily="50" charset="-128"/>
+              </a:rPr>
+              <a:t>メモ</a:t>
+            </a:r>
+          </a:p>
+        </p:txBody>
+      </p:sp>
+    </p:spTree>
+    <p:extLst>
+      <p:ext uri="{BB962C8B-B14F-4D97-AF65-F5344CB8AC3E}">
+        <p14:creationId xmlns:p14="http://schemas.microsoft.com/office/powerpoint/2010/main" val="1373513733"/>
+      </p:ext>
+    </p:extLst>
+  </p:cSld>
+  <p:clrMapOvr>
+    <a:masterClrMapping/>
+  </p:clrMapOvr>
+  <p:transition spd="med"/>
+</p:sld>
+</file>
+
+<file path=ppt/slides/slide11.xml><?xml version="1.0" encoding="utf-8"?>
+<p:sld xmlns:a="http://schemas.openxmlformats.org/drawingml/2006/main" xmlns:r="http://schemas.openxmlformats.org/officeDocument/2006/relationships" xmlns:p="http://schemas.openxmlformats.org/presentationml/2006/main">
+  <p:cSld>
+    <p:spTree>
+      <p:nvGrpSpPr>
+        <p:cNvPr id="1" name=""/>
+        <p:cNvGrpSpPr/>
+        <p:nvPr/>
+      </p:nvGrpSpPr>
+      <p:grpSpPr>
+        <a:xfrm>
+          <a:off x="0" y="0"/>
+          <a:ext cx="0" cy="0"/>
+          <a:chOff x="0" y="0"/>
+          <a:chExt cx="0" cy="0"/>
+        </a:xfrm>
+      </p:grpSpPr>
+      <p:pic>
+        <p:nvPicPr>
+          <p:cNvPr id="3" name="図 2">
+            <a:extLst>
+              <a:ext uri="{FF2B5EF4-FFF2-40B4-BE49-F238E27FC236}">
+                <a16:creationId xmlns:a16="http://schemas.microsoft.com/office/drawing/2014/main" id="{D29F11FB-39B3-21A6-21CE-CDCCD000B1C6}"/>
+              </a:ext>
+            </a:extLst>
+          </p:cNvPr>
+          <p:cNvPicPr>
+            <a:picLocks noChangeAspect="1"/>
+          </p:cNvPicPr>
+          <p:nvPr/>
+        </p:nvPicPr>
+        <p:blipFill>
+          <a:blip r:embed="rId2"/>
+          <a:stretch>
+            <a:fillRect/>
+          </a:stretch>
+        </p:blipFill>
+        <p:spPr>
+          <a:xfrm>
+            <a:off x="3470988" y="1249849"/>
+            <a:ext cx="4971872" cy="5318902"/>
+          </a:xfrm>
+          <a:prstGeom prst="rect">
+            <a:avLst/>
+          </a:prstGeom>
+        </p:spPr>
+      </p:pic>
+      <p:sp>
+        <p:nvSpPr>
+          <p:cNvPr id="4" name="テキスト ボックス 3">
+            <a:extLst>
+              <a:ext uri="{FF2B5EF4-FFF2-40B4-BE49-F238E27FC236}">
+                <a16:creationId xmlns:a16="http://schemas.microsoft.com/office/drawing/2014/main" id="{6584A098-42AD-4437-B49F-0052615F50FC}"/>
+              </a:ext>
+            </a:extLst>
+          </p:cNvPr>
+          <p:cNvSpPr txBox="1"/>
+          <p:nvPr/>
+        </p:nvSpPr>
+        <p:spPr>
+          <a:xfrm>
+            <a:off x="662473" y="653143"/>
+            <a:ext cx="6896440" cy="461665"/>
+          </a:xfrm>
+          <a:prstGeom prst="rect">
+            <a:avLst/>
+          </a:prstGeom>
+          <a:noFill/>
+        </p:spPr>
+        <p:txBody>
+          <a:bodyPr wrap="none" rtlCol="0">
+            <a:spAutoFit/>
+          </a:bodyPr>
+          <a:lstStyle/>
+          <a:p>
+            <a:pPr algn="l"/>
+            <a:r>
+              <a:rPr kumimoji="1" lang="en-US" altLang="ja-JP" sz="2400" dirty="0" err="1">
+                <a:latin typeface="メイリオ" panose="020B0604030504040204" pitchFamily="50" charset="-128"/>
+                <a:ea typeface="メイリオ" panose="020B0604030504040204" pitchFamily="50" charset="-128"/>
+              </a:rPr>
+              <a:t>WindowsApps</a:t>
+            </a:r>
+            <a:r>
+              <a:rPr kumimoji="1" lang="ja-JP" altLang="en-US" sz="2400" dirty="0">
+                <a:latin typeface="メイリオ" panose="020B0604030504040204" pitchFamily="50" charset="-128"/>
+                <a:ea typeface="メイリオ" panose="020B0604030504040204" pitchFamily="50" charset="-128"/>
+              </a:rPr>
+              <a:t>のパスを下に下げる（不要かも）</a:t>
+            </a:r>
+          </a:p>
+        </p:txBody>
+      </p:sp>
+    </p:spTree>
+    <p:extLst>
+      <p:ext uri="{BB962C8B-B14F-4D97-AF65-F5344CB8AC3E}">
+        <p14:creationId xmlns:p14="http://schemas.microsoft.com/office/powerpoint/2010/main" val="1055687131"/>
+      </p:ext>
+    </p:extLst>
+  </p:cSld>
+  <p:clrMapOvr>
+    <a:masterClrMapping/>
+  </p:clrMapOvr>
+  <p:transition spd="med"/>
+</p:sld>
+</file>
+
 <file path=ppt/slides/slide2.xml><?xml version="1.0" encoding="utf-8"?>
+<p:sld xmlns:a="http://schemas.openxmlformats.org/drawingml/2006/main" xmlns:r="http://schemas.openxmlformats.org/officeDocument/2006/relationships" xmlns:p="http://schemas.openxmlformats.org/presentationml/2006/main">
+  <p:cSld>
+    <p:spTree>
+      <p:nvGrpSpPr>
+        <p:cNvPr id="1" name=""/>
+        <p:cNvGrpSpPr/>
+        <p:nvPr/>
+      </p:nvGrpSpPr>
+      <p:grpSpPr>
+        <a:xfrm>
+          <a:off x="0" y="0"/>
+          <a:ext cx="0" cy="0"/>
+          <a:chOff x="0" y="0"/>
+          <a:chExt cx="0" cy="0"/>
+        </a:xfrm>
+      </p:grpSpPr>
+      <p:pic>
+        <p:nvPicPr>
+          <p:cNvPr id="3" name="図 2">
+            <a:extLst>
+              <a:ext uri="{FF2B5EF4-FFF2-40B4-BE49-F238E27FC236}">
+                <a16:creationId xmlns:a16="http://schemas.microsoft.com/office/drawing/2014/main" id="{0BCF4DAE-3DD3-A562-14DE-A448AA0FBB07}"/>
+              </a:ext>
+            </a:extLst>
+          </p:cNvPr>
+          <p:cNvPicPr>
+            <a:picLocks noChangeAspect="1"/>
+          </p:cNvPicPr>
+          <p:nvPr/>
+        </p:nvPicPr>
+        <p:blipFill>
+          <a:blip r:embed="rId2"/>
+          <a:stretch>
+            <a:fillRect/>
+          </a:stretch>
+        </p:blipFill>
+        <p:spPr>
+          <a:xfrm>
+            <a:off x="6494105" y="808943"/>
+            <a:ext cx="5575379" cy="5787371"/>
+          </a:xfrm>
+          <a:prstGeom prst="rect">
+            <a:avLst/>
+          </a:prstGeom>
+        </p:spPr>
+      </p:pic>
+      <p:sp>
+        <p:nvSpPr>
+          <p:cNvPr id="4" name="テキスト ボックス 3">
+            <a:extLst>
+              <a:ext uri="{FF2B5EF4-FFF2-40B4-BE49-F238E27FC236}">
+                <a16:creationId xmlns:a16="http://schemas.microsoft.com/office/drawing/2014/main" id="{C323AF10-07EB-5830-8F83-0E21385FCE0D}"/>
+              </a:ext>
+            </a:extLst>
+          </p:cNvPr>
+          <p:cNvSpPr txBox="1"/>
+          <p:nvPr/>
+        </p:nvSpPr>
+        <p:spPr>
+          <a:xfrm>
+            <a:off x="363893" y="345233"/>
+            <a:ext cx="3087705" cy="584775"/>
+          </a:xfrm>
+          <a:prstGeom prst="rect">
+            <a:avLst/>
+          </a:prstGeom>
+          <a:noFill/>
+        </p:spPr>
+        <p:txBody>
+          <a:bodyPr wrap="none" rtlCol="0">
+            <a:spAutoFit/>
+          </a:bodyPr>
+          <a:lstStyle/>
+          <a:p>
+            <a:pPr algn="l"/>
+            <a:r>
+              <a:rPr kumimoji="1" lang="ja-JP" altLang="en-US" sz="3200" dirty="0">
+                <a:latin typeface="メイリオ" panose="020B0604030504040204" pitchFamily="50" charset="-128"/>
+                <a:ea typeface="メイリオ" panose="020B0604030504040204" pitchFamily="50" charset="-128"/>
+              </a:rPr>
+              <a:t>まずは</a:t>
+            </a:r>
+            <a:r>
+              <a:rPr kumimoji="1" lang="en-US" altLang="ja-JP" sz="3200" dirty="0">
+                <a:latin typeface="メイリオ" panose="020B0604030504040204" pitchFamily="50" charset="-128"/>
+                <a:ea typeface="メイリオ" panose="020B0604030504040204" pitchFamily="50" charset="-128"/>
+              </a:rPr>
+              <a:t>uninstall</a:t>
+            </a:r>
+            <a:endParaRPr kumimoji="1" lang="ja-JP" altLang="en-US" sz="3200" dirty="0">
+              <a:latin typeface="メイリオ" panose="020B0604030504040204" pitchFamily="50" charset="-128"/>
+              <a:ea typeface="メイリオ" panose="020B0604030504040204" pitchFamily="50" charset="-128"/>
+            </a:endParaRPr>
+          </a:p>
+        </p:txBody>
+      </p:sp>
+      <p:sp>
+        <p:nvSpPr>
+          <p:cNvPr id="5" name="四角形: 角を丸くする 4">
+            <a:extLst>
+              <a:ext uri="{FF2B5EF4-FFF2-40B4-BE49-F238E27FC236}">
+                <a16:creationId xmlns:a16="http://schemas.microsoft.com/office/drawing/2014/main" id="{CDCED772-0F6C-626C-1A0A-F6C30F137B36}"/>
+              </a:ext>
+            </a:extLst>
+          </p:cNvPr>
+          <p:cNvSpPr/>
+          <p:nvPr/>
+        </p:nvSpPr>
+        <p:spPr>
+          <a:xfrm>
+            <a:off x="8024326" y="3965511"/>
+            <a:ext cx="1679510" cy="382555"/>
+          </a:xfrm>
+          <a:prstGeom prst="roundRect">
+            <a:avLst/>
+          </a:prstGeom>
+          <a:noFill/>
+          <a:ln>
+            <a:solidFill>
+              <a:srgbClr val="FF0000"/>
+            </a:solidFill>
+          </a:ln>
+        </p:spPr>
+        <p:style>
+          <a:lnRef idx="2">
+            <a:schemeClr val="accent1">
+              <a:shade val="15000"/>
+            </a:schemeClr>
+          </a:lnRef>
+          <a:fillRef idx="1">
+            <a:schemeClr val="accent1"/>
+          </a:fillRef>
+          <a:effectRef idx="0">
+            <a:schemeClr val="accent1"/>
+          </a:effectRef>
+          <a:fontRef idx="minor">
+            <a:schemeClr val="lt1"/>
+          </a:fontRef>
+        </p:style>
+        <p:txBody>
+          <a:bodyPr rtlCol="0" anchor="ctr"/>
+          <a:lstStyle/>
+          <a:p>
+            <a:pPr algn="ctr"/>
+            <a:endParaRPr kumimoji="1" lang="ja-JP" altLang="en-US"/>
+          </a:p>
+        </p:txBody>
+      </p:sp>
+      <p:sp>
+        <p:nvSpPr>
+          <p:cNvPr id="6" name="テキスト ボックス 5">
+            <a:extLst>
+              <a:ext uri="{FF2B5EF4-FFF2-40B4-BE49-F238E27FC236}">
+                <a16:creationId xmlns:a16="http://schemas.microsoft.com/office/drawing/2014/main" id="{651F26FD-904E-A988-2C8F-5C0DCA9A77E7}"/>
+              </a:ext>
+            </a:extLst>
+          </p:cNvPr>
+          <p:cNvSpPr txBox="1"/>
+          <p:nvPr/>
+        </p:nvSpPr>
+        <p:spPr>
+          <a:xfrm>
+            <a:off x="8425543" y="4348066"/>
+            <a:ext cx="3472425" cy="461665"/>
+          </a:xfrm>
+          <a:prstGeom prst="rect">
+            <a:avLst/>
+          </a:prstGeom>
+          <a:noFill/>
+        </p:spPr>
+        <p:txBody>
+          <a:bodyPr wrap="none" rtlCol="0">
+            <a:spAutoFit/>
+          </a:bodyPr>
+          <a:lstStyle/>
+          <a:p>
+            <a:pPr algn="l"/>
+            <a:r>
+              <a:rPr kumimoji="1" lang="en-US" altLang="ja-JP" sz="2400" dirty="0">
+                <a:solidFill>
+                  <a:schemeClr val="bg1"/>
+                </a:solidFill>
+                <a:latin typeface="メイリオ" panose="020B0604030504040204" pitchFamily="50" charset="-128"/>
+                <a:ea typeface="メイリオ" panose="020B0604030504040204" pitchFamily="50" charset="-128"/>
+              </a:rPr>
+              <a:t>anaconda</a:t>
+            </a:r>
+            <a:r>
+              <a:rPr kumimoji="1" lang="ja-JP" altLang="en-US" sz="2400" dirty="0">
+                <a:solidFill>
+                  <a:schemeClr val="bg1"/>
+                </a:solidFill>
+                <a:latin typeface="メイリオ" panose="020B0604030504040204" pitchFamily="50" charset="-128"/>
+                <a:ea typeface="メイリオ" panose="020B0604030504040204" pitchFamily="50" charset="-128"/>
+              </a:rPr>
+              <a:t>を右クリック</a:t>
+            </a:r>
+          </a:p>
+        </p:txBody>
+      </p:sp>
+      <p:sp>
+        <p:nvSpPr>
+          <p:cNvPr id="9" name="テキスト ボックス 8">
+            <a:extLst>
+              <a:ext uri="{FF2B5EF4-FFF2-40B4-BE49-F238E27FC236}">
+                <a16:creationId xmlns:a16="http://schemas.microsoft.com/office/drawing/2014/main" id="{E10C4A37-E73C-41F5-1B43-80A801A81C1E}"/>
+              </a:ext>
+            </a:extLst>
+          </p:cNvPr>
+          <p:cNvSpPr txBox="1"/>
+          <p:nvPr/>
+        </p:nvSpPr>
+        <p:spPr>
+          <a:xfrm>
+            <a:off x="541176" y="2112683"/>
+            <a:ext cx="5168403" cy="830997"/>
+          </a:xfrm>
+          <a:prstGeom prst="rect">
+            <a:avLst/>
+          </a:prstGeom>
+          <a:noFill/>
+        </p:spPr>
+        <p:txBody>
+          <a:bodyPr wrap="none" rtlCol="0">
+            <a:spAutoFit/>
+          </a:bodyPr>
+          <a:lstStyle/>
+          <a:p>
+            <a:pPr marL="457200" indent="-457200" algn="l">
+              <a:buFont typeface="+mj-lt"/>
+              <a:buAutoNum type="arabicPeriod"/>
+            </a:pPr>
+            <a:r>
+              <a:rPr kumimoji="1" lang="ja-JP" altLang="en-US" sz="2400" dirty="0">
+                <a:latin typeface="メイリオ" panose="020B0604030504040204" pitchFamily="50" charset="-128"/>
+                <a:ea typeface="メイリオ" panose="020B0604030504040204" pitchFamily="50" charset="-128"/>
+              </a:rPr>
+              <a:t>パスを通すこと</a:t>
+            </a:r>
+            <a:endParaRPr kumimoji="1" lang="en-US" altLang="ja-JP" sz="2400" dirty="0">
+              <a:latin typeface="メイリオ" panose="020B0604030504040204" pitchFamily="50" charset="-128"/>
+              <a:ea typeface="メイリオ" panose="020B0604030504040204" pitchFamily="50" charset="-128"/>
+            </a:endParaRPr>
+          </a:p>
+          <a:p>
+            <a:pPr marL="457200" indent="-457200" algn="l">
+              <a:buFont typeface="+mj-lt"/>
+              <a:buAutoNum type="arabicPeriod"/>
+            </a:pPr>
+            <a:r>
+              <a:rPr kumimoji="1" lang="en-US" altLang="ja-JP" sz="2400" dirty="0">
+                <a:latin typeface="メイリオ" panose="020B0604030504040204" pitchFamily="50" charset="-128"/>
+                <a:ea typeface="メイリオ" panose="020B0604030504040204" pitchFamily="50" charset="-128"/>
+              </a:rPr>
+              <a:t>vs code</a:t>
+            </a:r>
+            <a:r>
+              <a:rPr kumimoji="1" lang="ja-JP" altLang="en-US" sz="2400" dirty="0">
+                <a:latin typeface="メイリオ" panose="020B0604030504040204" pitchFamily="50" charset="-128"/>
+                <a:ea typeface="メイリオ" panose="020B0604030504040204" pitchFamily="50" charset="-128"/>
+              </a:rPr>
+              <a:t>を使えるようにすること</a:t>
+            </a:r>
+          </a:p>
+        </p:txBody>
+      </p:sp>
+      <p:sp>
+        <p:nvSpPr>
+          <p:cNvPr id="10" name="テキスト ボックス 9">
+            <a:extLst>
+              <a:ext uri="{FF2B5EF4-FFF2-40B4-BE49-F238E27FC236}">
+                <a16:creationId xmlns:a16="http://schemas.microsoft.com/office/drawing/2014/main" id="{4D6E1937-AB19-E1EC-A413-E3F6586A7DFB}"/>
+              </a:ext>
+            </a:extLst>
+          </p:cNvPr>
+          <p:cNvSpPr txBox="1"/>
+          <p:nvPr/>
+        </p:nvSpPr>
+        <p:spPr>
+          <a:xfrm>
+            <a:off x="541176" y="1026367"/>
+            <a:ext cx="6032421" cy="830997"/>
+          </a:xfrm>
+          <a:prstGeom prst="rect">
+            <a:avLst/>
+          </a:prstGeom>
+          <a:noFill/>
+        </p:spPr>
+        <p:txBody>
+          <a:bodyPr wrap="none" rtlCol="0">
+            <a:spAutoFit/>
+          </a:bodyPr>
+          <a:lstStyle/>
+          <a:p>
+            <a:pPr algn="l"/>
+            <a:r>
+              <a:rPr kumimoji="1" lang="ja-JP" altLang="en-US" sz="2400" dirty="0">
+                <a:latin typeface="メイリオ" panose="020B0604030504040204" pitchFamily="50" charset="-128"/>
+                <a:ea typeface="メイリオ" panose="020B0604030504040204" pitchFamily="50" charset="-128"/>
+              </a:rPr>
+              <a:t>以下が目的なのですでに対応できている人</a:t>
+            </a:r>
+            <a:endParaRPr kumimoji="1" lang="en-US" altLang="ja-JP" sz="2400" dirty="0">
+              <a:latin typeface="メイリオ" panose="020B0604030504040204" pitchFamily="50" charset="-128"/>
+              <a:ea typeface="メイリオ" panose="020B0604030504040204" pitchFamily="50" charset="-128"/>
+            </a:endParaRPr>
+          </a:p>
+          <a:p>
+            <a:pPr algn="l"/>
+            <a:r>
+              <a:rPr kumimoji="1" lang="ja-JP" altLang="en-US" sz="2400" dirty="0">
+                <a:latin typeface="メイリオ" panose="020B0604030504040204" pitchFamily="50" charset="-128"/>
+                <a:ea typeface="メイリオ" panose="020B0604030504040204" pitchFamily="50" charset="-128"/>
+              </a:rPr>
+              <a:t>はこの資料の作業は不要</a:t>
+            </a:r>
+          </a:p>
+        </p:txBody>
+      </p:sp>
+    </p:spTree>
+    <p:extLst>
+      <p:ext uri="{BB962C8B-B14F-4D97-AF65-F5344CB8AC3E}">
+        <p14:creationId xmlns:p14="http://schemas.microsoft.com/office/powerpoint/2010/main" val="2514668108"/>
+      </p:ext>
+    </p:extLst>
+  </p:cSld>
+  <p:clrMapOvr>
+    <a:masterClrMapping/>
+  </p:clrMapOvr>
+  <p:transition spd="med"/>
+</p:sld>
+</file>
+
+<file path=ppt/slides/slide3.xml><?xml version="1.0" encoding="utf-8"?>
+<p:sld xmlns:a="http://schemas.openxmlformats.org/drawingml/2006/main" xmlns:r="http://schemas.openxmlformats.org/officeDocument/2006/relationships" xmlns:p="http://schemas.openxmlformats.org/presentationml/2006/main">
+  <p:cSld>
+    <p:spTree>
+      <p:nvGrpSpPr>
+        <p:cNvPr id="1" name=""/>
+        <p:cNvGrpSpPr/>
+        <p:nvPr/>
+      </p:nvGrpSpPr>
+      <p:grpSpPr>
+        <a:xfrm>
+          <a:off x="0" y="0"/>
+          <a:ext cx="0" cy="0"/>
+          <a:chOff x="0" y="0"/>
+          <a:chExt cx="0" cy="0"/>
+        </a:xfrm>
+      </p:grpSpPr>
+      <p:pic>
+        <p:nvPicPr>
+          <p:cNvPr id="3" name="図 2">
+            <a:extLst>
+              <a:ext uri="{FF2B5EF4-FFF2-40B4-BE49-F238E27FC236}">
+                <a16:creationId xmlns:a16="http://schemas.microsoft.com/office/drawing/2014/main" id="{3CC5C07A-B7DF-1215-A2A9-4EB9C3C2E802}"/>
+              </a:ext>
+            </a:extLst>
+          </p:cNvPr>
+          <p:cNvPicPr>
+            <a:picLocks noChangeAspect="1"/>
+          </p:cNvPicPr>
+          <p:nvPr/>
+        </p:nvPicPr>
+        <p:blipFill>
+          <a:blip r:embed="rId2"/>
+          <a:stretch>
+            <a:fillRect/>
+          </a:stretch>
+        </p:blipFill>
+        <p:spPr>
+          <a:xfrm>
+            <a:off x="1199725" y="243564"/>
+            <a:ext cx="9792549" cy="6370872"/>
+          </a:xfrm>
+          <a:prstGeom prst="rect">
+            <a:avLst/>
+          </a:prstGeom>
+        </p:spPr>
+      </p:pic>
+      <p:sp>
+        <p:nvSpPr>
+          <p:cNvPr id="4" name="四角形: 角を丸くする 3">
+            <a:extLst>
+              <a:ext uri="{FF2B5EF4-FFF2-40B4-BE49-F238E27FC236}">
+                <a16:creationId xmlns:a16="http://schemas.microsoft.com/office/drawing/2014/main" id="{84A6A514-9750-40B5-6A25-11E271E9DD8C}"/>
+              </a:ext>
+            </a:extLst>
+          </p:cNvPr>
+          <p:cNvSpPr/>
+          <p:nvPr/>
+        </p:nvSpPr>
+        <p:spPr>
+          <a:xfrm>
+            <a:off x="8024326" y="6223526"/>
+            <a:ext cx="1679510" cy="382555"/>
+          </a:xfrm>
+          <a:prstGeom prst="roundRect">
+            <a:avLst/>
+          </a:prstGeom>
+          <a:noFill/>
+          <a:ln>
+            <a:solidFill>
+              <a:srgbClr val="FF0000"/>
+            </a:solidFill>
+          </a:ln>
+        </p:spPr>
+        <p:style>
+          <a:lnRef idx="2">
+            <a:schemeClr val="accent1">
+              <a:shade val="15000"/>
+            </a:schemeClr>
+          </a:lnRef>
+          <a:fillRef idx="1">
+            <a:schemeClr val="accent1"/>
+          </a:fillRef>
+          <a:effectRef idx="0">
+            <a:schemeClr val="accent1"/>
+          </a:effectRef>
+          <a:fontRef idx="minor">
+            <a:schemeClr val="lt1"/>
+          </a:fontRef>
+        </p:style>
+        <p:txBody>
+          <a:bodyPr rtlCol="0" anchor="ctr"/>
+          <a:lstStyle/>
+          <a:p>
+            <a:pPr algn="ctr"/>
+            <a:endParaRPr kumimoji="1" lang="ja-JP" altLang="en-US"/>
+          </a:p>
+        </p:txBody>
+      </p:sp>
+    </p:spTree>
+    <p:extLst>
+      <p:ext uri="{BB962C8B-B14F-4D97-AF65-F5344CB8AC3E}">
+        <p14:creationId xmlns:p14="http://schemas.microsoft.com/office/powerpoint/2010/main" val="1437137233"/>
+      </p:ext>
+    </p:extLst>
+  </p:cSld>
+  <p:clrMapOvr>
+    <a:masterClrMapping/>
+  </p:clrMapOvr>
+  <p:transition spd="med"/>
+</p:sld>
+</file>
+
+<file path=ppt/slides/slide4.xml><?xml version="1.0" encoding="utf-8"?>
 <p:sld xmlns:a="http://schemas.openxmlformats.org/drawingml/2006/main" xmlns:r="http://schemas.openxmlformats.org/officeDocument/2006/relationships" xmlns:p="http://schemas.openxmlformats.org/presentationml/2006/main">
   <p:cSld>
     <p:spTree>
@@ -3952,7 +4578,7 @@
 </p:sld>
 </file>
 
-<file path=ppt/slides/slide3.xml><?xml version="1.0" encoding="utf-8"?>
+<file path=ppt/slides/slide5.xml><?xml version="1.0" encoding="utf-8"?>
 <p:sld xmlns:a="http://schemas.openxmlformats.org/drawingml/2006/main" xmlns:r="http://schemas.openxmlformats.org/officeDocument/2006/relationships" xmlns:p="http://schemas.openxmlformats.org/presentationml/2006/main">
   <p:cSld>
     <p:spTree>
@@ -4073,7 +4699,7 @@
 </p:sld>
 </file>
 
-<file path=ppt/slides/slide4.xml><?xml version="1.0" encoding="utf-8"?>
+<file path=ppt/slides/slide6.xml><?xml version="1.0" encoding="utf-8"?>
 <p:sld xmlns:a="http://schemas.openxmlformats.org/drawingml/2006/main" xmlns:r="http://schemas.openxmlformats.org/officeDocument/2006/relationships" xmlns:p="http://schemas.openxmlformats.org/presentationml/2006/main">
   <p:cSld>
     <p:spTree>
@@ -4231,7 +4857,7 @@
 </p:sld>
 </file>
 
-<file path=ppt/slides/slide5.xml><?xml version="1.0" encoding="utf-8"?>
+<file path=ppt/slides/slide7.xml><?xml version="1.0" encoding="utf-8"?>
 <p:sld xmlns:a="http://schemas.openxmlformats.org/drawingml/2006/main" xmlns:r="http://schemas.openxmlformats.org/officeDocument/2006/relationships" xmlns:p="http://schemas.openxmlformats.org/presentationml/2006/main">
   <p:cSld>
     <p:spTree>
@@ -4382,7 +5008,7 @@
 </p:sld>
 </file>
 
-<file path=ppt/slides/slide6.xml><?xml version="1.0" encoding="utf-8"?>
+<file path=ppt/slides/slide8.xml><?xml version="1.0" encoding="utf-8"?>
 <p:sld xmlns:a="http://schemas.openxmlformats.org/drawingml/2006/main" xmlns:r="http://schemas.openxmlformats.org/officeDocument/2006/relationships" xmlns:p="http://schemas.openxmlformats.org/presentationml/2006/main">
   <p:cSld>
     <p:spTree>
@@ -4758,289 +5384,6 @@
     <p:extLst>
       <p:ext uri="{BB962C8B-B14F-4D97-AF65-F5344CB8AC3E}">
         <p14:creationId xmlns:p14="http://schemas.microsoft.com/office/powerpoint/2010/main" val="2780698887"/>
-      </p:ext>
-    </p:extLst>
-  </p:cSld>
-  <p:clrMapOvr>
-    <a:masterClrMapping/>
-  </p:clrMapOvr>
-  <p:transition spd="med"/>
-</p:sld>
-</file>
-
-<file path=ppt/slides/slide7.xml><?xml version="1.0" encoding="utf-8"?>
-<p:sld xmlns:a="http://schemas.openxmlformats.org/drawingml/2006/main" xmlns:r="http://schemas.openxmlformats.org/officeDocument/2006/relationships" xmlns:p="http://schemas.openxmlformats.org/presentationml/2006/main">
-  <p:cSld>
-    <p:spTree>
-      <p:nvGrpSpPr>
-        <p:cNvPr id="1" name=""/>
-        <p:cNvGrpSpPr/>
-        <p:nvPr/>
-      </p:nvGrpSpPr>
-      <p:grpSpPr>
-        <a:xfrm>
-          <a:off x="0" y="0"/>
-          <a:ext cx="0" cy="0"/>
-          <a:chOff x="0" y="0"/>
-          <a:chExt cx="0" cy="0"/>
-        </a:xfrm>
-      </p:grpSpPr>
-      <p:sp>
-        <p:nvSpPr>
-          <p:cNvPr id="2" name="テキスト ボックス 1">
-            <a:extLst>
-              <a:ext uri="{FF2B5EF4-FFF2-40B4-BE49-F238E27FC236}">
-                <a16:creationId xmlns:a16="http://schemas.microsoft.com/office/drawing/2014/main" id="{05CFB002-E2C9-C9E0-1047-FCD239A1F25F}"/>
-              </a:ext>
-            </a:extLst>
-          </p:cNvPr>
-          <p:cNvSpPr txBox="1"/>
-          <p:nvPr/>
-        </p:nvSpPr>
-        <p:spPr>
-          <a:xfrm>
-            <a:off x="643812" y="550506"/>
-            <a:ext cx="1826141" cy="584775"/>
-          </a:xfrm>
-          <a:prstGeom prst="rect">
-            <a:avLst/>
-          </a:prstGeom>
-          <a:noFill/>
-        </p:spPr>
-        <p:txBody>
-          <a:bodyPr wrap="none" rtlCol="0">
-            <a:spAutoFit/>
-          </a:bodyPr>
-          <a:lstStyle/>
-          <a:p>
-            <a:pPr algn="l"/>
-            <a:r>
-              <a:rPr kumimoji="1" lang="ja-JP" altLang="en-US" sz="3200" dirty="0">
-                <a:latin typeface="メイリオ" panose="020B0604030504040204" pitchFamily="50" charset="-128"/>
-                <a:ea typeface="メイリオ" panose="020B0604030504040204" pitchFamily="50" charset="-128"/>
-              </a:rPr>
-              <a:t>その他　</a:t>
-            </a:r>
-          </a:p>
-        </p:txBody>
-      </p:sp>
-      <p:sp>
-        <p:nvSpPr>
-          <p:cNvPr id="3" name="テキスト ボックス 2">
-            <a:extLst>
-              <a:ext uri="{FF2B5EF4-FFF2-40B4-BE49-F238E27FC236}">
-                <a16:creationId xmlns:a16="http://schemas.microsoft.com/office/drawing/2014/main" id="{7520100F-D990-62CF-8B39-FC6E93D13DA5}"/>
-              </a:ext>
-            </a:extLst>
-          </p:cNvPr>
-          <p:cNvSpPr txBox="1"/>
-          <p:nvPr/>
-        </p:nvSpPr>
-        <p:spPr>
-          <a:xfrm>
-            <a:off x="709127" y="1144611"/>
-            <a:ext cx="4980018" cy="461665"/>
-          </a:xfrm>
-          <a:prstGeom prst="rect">
-            <a:avLst/>
-          </a:prstGeom>
-          <a:noFill/>
-        </p:spPr>
-        <p:txBody>
-          <a:bodyPr wrap="none" rtlCol="0">
-            <a:spAutoFit/>
-          </a:bodyPr>
-          <a:lstStyle/>
-          <a:p>
-            <a:pPr algn="l"/>
-            <a:r>
-              <a:rPr kumimoji="1" lang="en-US" altLang="ja-JP" sz="2400" dirty="0">
-                <a:latin typeface="メイリオ" panose="020B0604030504040204" pitchFamily="50" charset="-128"/>
-                <a:ea typeface="メイリオ" panose="020B0604030504040204" pitchFamily="50" charset="-128"/>
-              </a:rPr>
-              <a:t>Markdown </a:t>
-            </a:r>
-            <a:r>
-              <a:rPr kumimoji="1" lang="en-US" altLang="ja-JP" sz="2400" dirty="0" err="1">
-                <a:latin typeface="メイリオ" panose="020B0604030504040204" pitchFamily="50" charset="-128"/>
-                <a:ea typeface="メイリオ" panose="020B0604030504040204" pitchFamily="50" charset="-128"/>
-              </a:rPr>
-              <a:t>veiwer</a:t>
-            </a:r>
-            <a:r>
-              <a:rPr kumimoji="1" lang="ja-JP" altLang="en-US" sz="2400" dirty="0">
-                <a:latin typeface="メイリオ" panose="020B0604030504040204" pitchFamily="50" charset="-128"/>
-                <a:ea typeface="メイリオ" panose="020B0604030504040204" pitchFamily="50" charset="-128"/>
-              </a:rPr>
-              <a:t>のインストール</a:t>
-            </a:r>
-          </a:p>
-        </p:txBody>
-      </p:sp>
-      <p:sp>
-        <p:nvSpPr>
-          <p:cNvPr id="4" name="テキスト ボックス 3">
-            <a:extLst>
-              <a:ext uri="{FF2B5EF4-FFF2-40B4-BE49-F238E27FC236}">
-                <a16:creationId xmlns:a16="http://schemas.microsoft.com/office/drawing/2014/main" id="{6B460C33-688A-F1CC-0D48-3CAD1FCFC10B}"/>
-              </a:ext>
-            </a:extLst>
-          </p:cNvPr>
-          <p:cNvSpPr txBox="1"/>
-          <p:nvPr/>
-        </p:nvSpPr>
-        <p:spPr>
-          <a:xfrm>
-            <a:off x="709127" y="2771192"/>
-            <a:ext cx="8270021" cy="830997"/>
-          </a:xfrm>
-          <a:prstGeom prst="rect">
-            <a:avLst/>
-          </a:prstGeom>
-          <a:noFill/>
-        </p:spPr>
-        <p:txBody>
-          <a:bodyPr wrap="none" rtlCol="0">
-            <a:spAutoFit/>
-          </a:bodyPr>
-          <a:lstStyle/>
-          <a:p>
-            <a:pPr algn="l"/>
-            <a:r>
-              <a:rPr kumimoji="1" lang="en-US" altLang="ja-JP" sz="2400" dirty="0">
-                <a:latin typeface="メイリオ" panose="020B0604030504040204" pitchFamily="50" charset="-128"/>
-                <a:ea typeface="メイリオ" panose="020B0604030504040204" pitchFamily="50" charset="-128"/>
-                <a:hlinkClick r:id="rId2"/>
-              </a:rPr>
-              <a:t>https://zenn.dev/kabec_dev/articles/cd34f2e2f32662</a:t>
-            </a:r>
-            <a:endParaRPr kumimoji="1" lang="en-US" altLang="ja-JP" sz="2400" dirty="0">
-              <a:latin typeface="メイリオ" panose="020B0604030504040204" pitchFamily="50" charset="-128"/>
-              <a:ea typeface="メイリオ" panose="020B0604030504040204" pitchFamily="50" charset="-128"/>
-            </a:endParaRPr>
-          </a:p>
-          <a:p>
-            <a:pPr algn="l"/>
-            <a:endParaRPr kumimoji="1" lang="ja-JP" altLang="en-US" sz="2400" dirty="0">
-              <a:latin typeface="メイリオ" panose="020B0604030504040204" pitchFamily="50" charset="-128"/>
-              <a:ea typeface="メイリオ" panose="020B0604030504040204" pitchFamily="50" charset="-128"/>
-            </a:endParaRPr>
-          </a:p>
-        </p:txBody>
-      </p:sp>
-      <p:sp>
-        <p:nvSpPr>
-          <p:cNvPr id="5" name="テキスト ボックス 4">
-            <a:extLst>
-              <a:ext uri="{FF2B5EF4-FFF2-40B4-BE49-F238E27FC236}">
-                <a16:creationId xmlns:a16="http://schemas.microsoft.com/office/drawing/2014/main" id="{E2312BD3-BB89-BCAC-CC28-53669435A63B}"/>
-              </a:ext>
-            </a:extLst>
-          </p:cNvPr>
-          <p:cNvSpPr txBox="1"/>
-          <p:nvPr/>
-        </p:nvSpPr>
-        <p:spPr>
-          <a:xfrm>
-            <a:off x="839755" y="2341984"/>
-            <a:ext cx="3877985" cy="461665"/>
-          </a:xfrm>
-          <a:prstGeom prst="rect">
-            <a:avLst/>
-          </a:prstGeom>
-          <a:noFill/>
-        </p:spPr>
-        <p:txBody>
-          <a:bodyPr wrap="none" rtlCol="0">
-            <a:spAutoFit/>
-          </a:bodyPr>
-          <a:lstStyle/>
-          <a:p>
-            <a:pPr algn="l"/>
-            <a:r>
-              <a:rPr kumimoji="1" lang="ja-JP" altLang="en-US" sz="2400" dirty="0">
-                <a:latin typeface="メイリオ" panose="020B0604030504040204" pitchFamily="50" charset="-128"/>
-                <a:ea typeface="メイリオ" panose="020B0604030504040204" pitchFamily="50" charset="-128"/>
-              </a:rPr>
-              <a:t>以下に従ってインストール</a:t>
-            </a:r>
-          </a:p>
-        </p:txBody>
-      </p:sp>
-    </p:spTree>
-    <p:extLst>
-      <p:ext uri="{BB962C8B-B14F-4D97-AF65-F5344CB8AC3E}">
-        <p14:creationId xmlns:p14="http://schemas.microsoft.com/office/powerpoint/2010/main" val="3145477665"/>
-      </p:ext>
-    </p:extLst>
-  </p:cSld>
-  <p:clrMapOvr>
-    <a:masterClrMapping/>
-  </p:clrMapOvr>
-  <p:transition spd="med"/>
-</p:sld>
-</file>
-
-<file path=ppt/slides/slide8.xml><?xml version="1.0" encoding="utf-8"?>
-<p:sld xmlns:a="http://schemas.openxmlformats.org/drawingml/2006/main" xmlns:r="http://schemas.openxmlformats.org/officeDocument/2006/relationships" xmlns:p="http://schemas.openxmlformats.org/presentationml/2006/main">
-  <p:cSld>
-    <p:spTree>
-      <p:nvGrpSpPr>
-        <p:cNvPr id="1" name=""/>
-        <p:cNvGrpSpPr/>
-        <p:nvPr/>
-      </p:nvGrpSpPr>
-      <p:grpSpPr>
-        <a:xfrm>
-          <a:off x="0" y="0"/>
-          <a:ext cx="0" cy="0"/>
-          <a:chOff x="0" y="0"/>
-          <a:chExt cx="0" cy="0"/>
-        </a:xfrm>
-      </p:grpSpPr>
-      <p:sp>
-        <p:nvSpPr>
-          <p:cNvPr id="2" name="テキスト ボックス 1">
-            <a:extLst>
-              <a:ext uri="{FF2B5EF4-FFF2-40B4-BE49-F238E27FC236}">
-                <a16:creationId xmlns:a16="http://schemas.microsoft.com/office/drawing/2014/main" id="{B22256A8-AA38-D186-D9B1-DF1BD3F857F4}"/>
-              </a:ext>
-            </a:extLst>
-          </p:cNvPr>
-          <p:cNvSpPr txBox="1"/>
-          <p:nvPr/>
-        </p:nvSpPr>
-        <p:spPr>
-          <a:xfrm>
-            <a:off x="1278294" y="2202024"/>
-            <a:ext cx="800219" cy="461665"/>
-          </a:xfrm>
-          <a:prstGeom prst="rect">
-            <a:avLst/>
-          </a:prstGeom>
-          <a:noFill/>
-        </p:spPr>
-        <p:txBody>
-          <a:bodyPr wrap="none" rtlCol="0">
-            <a:spAutoFit/>
-          </a:bodyPr>
-          <a:lstStyle/>
-          <a:p>
-            <a:pPr algn="l"/>
-            <a:r>
-              <a:rPr kumimoji="1" lang="ja-JP" altLang="en-US" sz="2400" dirty="0">
-                <a:latin typeface="メイリオ" panose="020B0604030504040204" pitchFamily="50" charset="-128"/>
-                <a:ea typeface="メイリオ" panose="020B0604030504040204" pitchFamily="50" charset="-128"/>
-              </a:rPr>
-              <a:t>メモ</a:t>
-            </a:r>
-          </a:p>
-        </p:txBody>
-      </p:sp>
-    </p:spTree>
-    <p:extLst>
-      <p:ext uri="{BB962C8B-B14F-4D97-AF65-F5344CB8AC3E}">
-        <p14:creationId xmlns:p14="http://schemas.microsoft.com/office/powerpoint/2010/main" val="1373513733"/>
       </p:ext>
     </p:extLst>
   </p:cSld>
@@ -5068,42 +5411,12 @@
           <a:chExt cx="0" cy="0"/>
         </a:xfrm>
       </p:grpSpPr>
-      <p:pic>
-        <p:nvPicPr>
-          <p:cNvPr id="3" name="図 2">
+      <p:sp>
+        <p:nvSpPr>
+          <p:cNvPr id="2" name="テキスト ボックス 1">
             <a:extLst>
               <a:ext uri="{FF2B5EF4-FFF2-40B4-BE49-F238E27FC236}">
-                <a16:creationId xmlns:a16="http://schemas.microsoft.com/office/drawing/2014/main" id="{D29F11FB-39B3-21A6-21CE-CDCCD000B1C6}"/>
-              </a:ext>
-            </a:extLst>
-          </p:cNvPr>
-          <p:cNvPicPr>
-            <a:picLocks noChangeAspect="1"/>
-          </p:cNvPicPr>
-          <p:nvPr/>
-        </p:nvPicPr>
-        <p:blipFill>
-          <a:blip r:embed="rId2"/>
-          <a:stretch>
-            <a:fillRect/>
-          </a:stretch>
-        </p:blipFill>
-        <p:spPr>
-          <a:xfrm>
-            <a:off x="3470988" y="1249849"/>
-            <a:ext cx="4971872" cy="5318902"/>
-          </a:xfrm>
-          <a:prstGeom prst="rect">
-            <a:avLst/>
-          </a:prstGeom>
-        </p:spPr>
-      </p:pic>
-      <p:sp>
-        <p:nvSpPr>
-          <p:cNvPr id="4" name="テキスト ボックス 3">
-            <a:extLst>
-              <a:ext uri="{FF2B5EF4-FFF2-40B4-BE49-F238E27FC236}">
-                <a16:creationId xmlns:a16="http://schemas.microsoft.com/office/drawing/2014/main" id="{6584A098-42AD-4437-B49F-0052615F50FC}"/>
+                <a16:creationId xmlns:a16="http://schemas.microsoft.com/office/drawing/2014/main" id="{05CFB002-E2C9-C9E0-1047-FCD239A1F25F}"/>
               </a:ext>
             </a:extLst>
           </p:cNvPr>
@@ -5112,8 +5425,8 @@
         </p:nvSpPr>
         <p:spPr>
           <a:xfrm>
-            <a:off x="662473" y="653143"/>
-            <a:ext cx="6896440" cy="461665"/>
+            <a:off x="643812" y="550506"/>
+            <a:ext cx="1826141" cy="584775"/>
           </a:xfrm>
           <a:prstGeom prst="rect">
             <a:avLst/>
@@ -5128,18 +5441,154 @@
           <a:p>
             <a:pPr algn="l"/>
             <a:r>
+              <a:rPr kumimoji="1" lang="ja-JP" altLang="en-US" sz="3200" dirty="0">
+                <a:latin typeface="メイリオ" panose="020B0604030504040204" pitchFamily="50" charset="-128"/>
+                <a:ea typeface="メイリオ" panose="020B0604030504040204" pitchFamily="50" charset="-128"/>
+              </a:rPr>
+              <a:t>その他　</a:t>
+            </a:r>
+          </a:p>
+        </p:txBody>
+      </p:sp>
+      <p:sp>
+        <p:nvSpPr>
+          <p:cNvPr id="3" name="テキスト ボックス 2">
+            <a:extLst>
+              <a:ext uri="{FF2B5EF4-FFF2-40B4-BE49-F238E27FC236}">
+                <a16:creationId xmlns:a16="http://schemas.microsoft.com/office/drawing/2014/main" id="{7520100F-D990-62CF-8B39-FC6E93D13DA5}"/>
+              </a:ext>
+            </a:extLst>
+          </p:cNvPr>
+          <p:cNvSpPr txBox="1"/>
+          <p:nvPr/>
+        </p:nvSpPr>
+        <p:spPr>
+          <a:xfrm>
+            <a:off x="709127" y="1144611"/>
+            <a:ext cx="4980018" cy="461665"/>
+          </a:xfrm>
+          <a:prstGeom prst="rect">
+            <a:avLst/>
+          </a:prstGeom>
+          <a:noFill/>
+        </p:spPr>
+        <p:txBody>
+          <a:bodyPr wrap="none" rtlCol="0">
+            <a:spAutoFit/>
+          </a:bodyPr>
+          <a:lstStyle/>
+          <a:p>
+            <a:pPr algn="l"/>
+            <a:r>
+              <a:rPr kumimoji="1" lang="en-US" altLang="ja-JP" sz="2400" dirty="0">
+                <a:latin typeface="メイリオ" panose="020B0604030504040204" pitchFamily="50" charset="-128"/>
+                <a:ea typeface="メイリオ" panose="020B0604030504040204" pitchFamily="50" charset="-128"/>
+              </a:rPr>
+              <a:t>Markdown </a:t>
+            </a:r>
+            <a:r>
               <a:rPr kumimoji="1" lang="en-US" altLang="ja-JP" sz="2400" dirty="0" err="1">
                 <a:latin typeface="メイリオ" panose="020B0604030504040204" pitchFamily="50" charset="-128"/>
                 <a:ea typeface="メイリオ" panose="020B0604030504040204" pitchFamily="50" charset="-128"/>
               </a:rPr>
-              <a:t>WindowsApps</a:t>
+              <a:t>veiwer</a:t>
             </a:r>
             <a:r>
               <a:rPr kumimoji="1" lang="ja-JP" altLang="en-US" sz="2400" dirty="0">
                 <a:latin typeface="メイリオ" panose="020B0604030504040204" pitchFamily="50" charset="-128"/>
                 <a:ea typeface="メイリオ" panose="020B0604030504040204" pitchFamily="50" charset="-128"/>
               </a:rPr>
-              <a:t>のパスを下に下げる（不要かも）</a:t>
+              <a:t>のインストール</a:t>
+            </a:r>
+          </a:p>
+        </p:txBody>
+      </p:sp>
+      <p:sp>
+        <p:nvSpPr>
+          <p:cNvPr id="4" name="テキスト ボックス 3">
+            <a:extLst>
+              <a:ext uri="{FF2B5EF4-FFF2-40B4-BE49-F238E27FC236}">
+                <a16:creationId xmlns:a16="http://schemas.microsoft.com/office/drawing/2014/main" id="{6B460C33-688A-F1CC-0D48-3CAD1FCFC10B}"/>
+              </a:ext>
+            </a:extLst>
+          </p:cNvPr>
+          <p:cNvSpPr txBox="1"/>
+          <p:nvPr/>
+        </p:nvSpPr>
+        <p:spPr>
+          <a:xfrm>
+            <a:off x="709127" y="2771192"/>
+            <a:ext cx="8270021" cy="830997"/>
+          </a:xfrm>
+          <a:prstGeom prst="rect">
+            <a:avLst/>
+          </a:prstGeom>
+          <a:noFill/>
+        </p:spPr>
+        <p:txBody>
+          <a:bodyPr wrap="none" rtlCol="0">
+            <a:spAutoFit/>
+          </a:bodyPr>
+          <a:lstStyle/>
+          <a:p>
+            <a:pPr algn="l"/>
+            <a:r>
+              <a:rPr kumimoji="1" lang="en-US" altLang="ja-JP" sz="2400" dirty="0">
+                <a:latin typeface="メイリオ" panose="020B0604030504040204" pitchFamily="50" charset="-128"/>
+                <a:ea typeface="メイリオ" panose="020B0604030504040204" pitchFamily="50" charset="-128"/>
+                <a:hlinkClick r:id="rId2"/>
+              </a:rPr>
+              <a:t>https://zenn.dev/kabec_dev/articles/cd34f2e2f32662</a:t>
+            </a:r>
+            <a:endParaRPr kumimoji="1" lang="en-US" altLang="ja-JP" sz="2400" dirty="0">
+              <a:latin typeface="メイリオ" panose="020B0604030504040204" pitchFamily="50" charset="-128"/>
+              <a:ea typeface="メイリオ" panose="020B0604030504040204" pitchFamily="50" charset="-128"/>
+            </a:endParaRPr>
+          </a:p>
+          <a:p>
+            <a:pPr algn="l"/>
+            <a:endParaRPr kumimoji="1" lang="ja-JP" altLang="en-US" sz="2400" dirty="0">
+              <a:latin typeface="メイリオ" panose="020B0604030504040204" pitchFamily="50" charset="-128"/>
+              <a:ea typeface="メイリオ" panose="020B0604030504040204" pitchFamily="50" charset="-128"/>
+            </a:endParaRPr>
+          </a:p>
+        </p:txBody>
+      </p:sp>
+      <p:sp>
+        <p:nvSpPr>
+          <p:cNvPr id="5" name="テキスト ボックス 4">
+            <a:extLst>
+              <a:ext uri="{FF2B5EF4-FFF2-40B4-BE49-F238E27FC236}">
+                <a16:creationId xmlns:a16="http://schemas.microsoft.com/office/drawing/2014/main" id="{E2312BD3-BB89-BCAC-CC28-53669435A63B}"/>
+              </a:ext>
+            </a:extLst>
+          </p:cNvPr>
+          <p:cNvSpPr txBox="1"/>
+          <p:nvPr/>
+        </p:nvSpPr>
+        <p:spPr>
+          <a:xfrm>
+            <a:off x="839755" y="2341984"/>
+            <a:ext cx="3877985" cy="461665"/>
+          </a:xfrm>
+          <a:prstGeom prst="rect">
+            <a:avLst/>
+          </a:prstGeom>
+          <a:noFill/>
+        </p:spPr>
+        <p:txBody>
+          <a:bodyPr wrap="none" rtlCol="0">
+            <a:spAutoFit/>
+          </a:bodyPr>
+          <a:lstStyle/>
+          <a:p>
+            <a:pPr algn="l"/>
+            <a:r>
+              <a:rPr kumimoji="1" lang="ja-JP" altLang="en-US" sz="2400" dirty="0">
+                <a:latin typeface="メイリオ" panose="020B0604030504040204" pitchFamily="50" charset="-128"/>
+                <a:ea typeface="メイリオ" panose="020B0604030504040204" pitchFamily="50" charset="-128"/>
+              </a:rPr>
+              <a:t>以下に従ってインストール</a:t>
             </a:r>
           </a:p>
         </p:txBody>
@@ -5147,7 +5596,7 @@
     </p:spTree>
     <p:extLst>
       <p:ext uri="{BB962C8B-B14F-4D97-AF65-F5344CB8AC3E}">
-        <p14:creationId xmlns:p14="http://schemas.microsoft.com/office/powerpoint/2010/main" val="1055687131"/>
+        <p14:creationId xmlns:p14="http://schemas.microsoft.com/office/powerpoint/2010/main" val="3145477665"/>
       </p:ext>
     </p:extLst>
   </p:cSld>

--- a/anaconda.pptx
+++ b/anaconda.pptx
@@ -5,7 +5,7 @@
     <p:sldMasterId id="2147483673" r:id="rId1"/>
   </p:sldMasterIdLst>
   <p:notesMasterIdLst>
-    <p:notesMasterId r:id="rId13"/>
+    <p:notesMasterId r:id="rId15"/>
   </p:notesMasterIdLst>
   <p:sldIdLst>
     <p:sldId id="1210" r:id="rId2"/>
@@ -17,8 +17,10 @@
     <p:sldId id="1218" r:id="rId8"/>
     <p:sldId id="1223" r:id="rId9"/>
     <p:sldId id="1224" r:id="rId10"/>
-    <p:sldId id="1221" r:id="rId11"/>
-    <p:sldId id="1217" r:id="rId12"/>
+    <p:sldId id="1227" r:id="rId11"/>
+    <p:sldId id="1228" r:id="rId12"/>
+    <p:sldId id="1221" r:id="rId13"/>
+    <p:sldId id="1217" r:id="rId14"/>
   </p:sldIdLst>
   <p:sldSz cx="12192000" cy="6858000"/>
   <p:notesSz cx="6858000" cy="9144000"/>
@@ -3805,6 +3807,694 @@
       </p:grpSpPr>
       <p:sp>
         <p:nvSpPr>
+          <p:cNvPr id="6" name="テキスト ボックス 5">
+            <a:extLst>
+              <a:ext uri="{FF2B5EF4-FFF2-40B4-BE49-F238E27FC236}">
+                <a16:creationId xmlns:a16="http://schemas.microsoft.com/office/drawing/2014/main" id="{5D9AD38F-6F2A-57C2-331A-39AC73CA596D}"/>
+              </a:ext>
+            </a:extLst>
+          </p:cNvPr>
+          <p:cNvSpPr txBox="1"/>
+          <p:nvPr/>
+        </p:nvSpPr>
+        <p:spPr>
+          <a:xfrm>
+            <a:off x="1560431" y="585395"/>
+            <a:ext cx="1415772" cy="461665"/>
+          </a:xfrm>
+          <a:prstGeom prst="rect">
+            <a:avLst/>
+          </a:prstGeom>
+          <a:noFill/>
+        </p:spPr>
+        <p:txBody>
+          <a:bodyPr wrap="none" rtlCol="0">
+            <a:spAutoFit/>
+          </a:bodyPr>
+          <a:lstStyle/>
+          <a:p>
+            <a:pPr algn="l"/>
+            <a:r>
+              <a:rPr kumimoji="1" lang="ja-JP" altLang="en-US" sz="2400" dirty="0">
+                <a:latin typeface="メイリオ" panose="020B0604030504040204" pitchFamily="50" charset="-128"/>
+                <a:ea typeface="メイリオ" panose="020B0604030504040204" pitchFamily="50" charset="-128"/>
+              </a:rPr>
+              <a:t>動作確認</a:t>
+            </a:r>
+          </a:p>
+        </p:txBody>
+      </p:sp>
+      <p:sp>
+        <p:nvSpPr>
+          <p:cNvPr id="2" name="テキスト ボックス 1">
+            <a:extLst>
+              <a:ext uri="{FF2B5EF4-FFF2-40B4-BE49-F238E27FC236}">
+                <a16:creationId xmlns:a16="http://schemas.microsoft.com/office/drawing/2014/main" id="{E1C5BC72-04EF-624B-712D-E97E8C8D271E}"/>
+              </a:ext>
+            </a:extLst>
+          </p:cNvPr>
+          <p:cNvSpPr txBox="1"/>
+          <p:nvPr/>
+        </p:nvSpPr>
+        <p:spPr>
+          <a:xfrm>
+            <a:off x="615820" y="354563"/>
+            <a:ext cx="800219" cy="461665"/>
+          </a:xfrm>
+          <a:prstGeom prst="rect">
+            <a:avLst/>
+          </a:prstGeom>
+          <a:noFill/>
+        </p:spPr>
+        <p:txBody>
+          <a:bodyPr wrap="none" rtlCol="0">
+            <a:spAutoFit/>
+          </a:bodyPr>
+          <a:lstStyle/>
+          <a:p>
+            <a:pPr algn="l"/>
+            <a:r>
+              <a:rPr kumimoji="1" lang="ja-JP" altLang="en-US" sz="2400" dirty="0">
+                <a:latin typeface="メイリオ" panose="020B0604030504040204" pitchFamily="50" charset="-128"/>
+                <a:ea typeface="メイリオ" panose="020B0604030504040204" pitchFamily="50" charset="-128"/>
+              </a:rPr>
+              <a:t>続き</a:t>
+            </a:r>
+          </a:p>
+        </p:txBody>
+      </p:sp>
+      <p:sp>
+        <p:nvSpPr>
+          <p:cNvPr id="3" name="テキスト ボックス 2">
+            <a:extLst>
+              <a:ext uri="{FF2B5EF4-FFF2-40B4-BE49-F238E27FC236}">
+                <a16:creationId xmlns:a16="http://schemas.microsoft.com/office/drawing/2014/main" id="{6A104A18-B2A1-7CDB-DB90-25A2203AD2A2}"/>
+              </a:ext>
+            </a:extLst>
+          </p:cNvPr>
+          <p:cNvSpPr txBox="1"/>
+          <p:nvPr/>
+        </p:nvSpPr>
+        <p:spPr>
+          <a:xfrm>
+            <a:off x="1560431" y="1047060"/>
+            <a:ext cx="9071138" cy="830997"/>
+          </a:xfrm>
+          <a:prstGeom prst="rect">
+            <a:avLst/>
+          </a:prstGeom>
+          <a:noFill/>
+        </p:spPr>
+        <p:txBody>
+          <a:bodyPr wrap="none" rtlCol="0">
+            <a:spAutoFit/>
+          </a:bodyPr>
+          <a:lstStyle/>
+          <a:p>
+            <a:pPr algn="l"/>
+            <a:r>
+              <a:rPr kumimoji="1" lang="en-US" altLang="ja-JP" sz="2400" dirty="0">
+                <a:latin typeface="メイリオ" panose="020B0604030504040204" pitchFamily="50" charset="-128"/>
+                <a:ea typeface="メイリオ" panose="020B0604030504040204" pitchFamily="50" charset="-128"/>
+              </a:rPr>
+              <a:t>bigdata2_system_and_python</a:t>
+            </a:r>
+            <a:r>
+              <a:rPr kumimoji="1" lang="ja-JP" altLang="en-US" sz="2400" dirty="0">
+                <a:latin typeface="メイリオ" panose="020B0604030504040204" pitchFamily="50" charset="-128"/>
+                <a:ea typeface="メイリオ" panose="020B0604030504040204" pitchFamily="50" charset="-128"/>
+              </a:rPr>
+              <a:t>中の</a:t>
+            </a:r>
+            <a:r>
+              <a:rPr kumimoji="1" lang="en-US" altLang="ja-JP" sz="2400" dirty="0">
+                <a:latin typeface="メイリオ" panose="020B0604030504040204" pitchFamily="50" charset="-128"/>
+                <a:ea typeface="メイリオ" panose="020B0604030504040204" pitchFamily="50" charset="-128"/>
+              </a:rPr>
+              <a:t>README.md</a:t>
+            </a:r>
+            <a:r>
+              <a:rPr kumimoji="1" lang="ja-JP" altLang="en-US" sz="2400" dirty="0">
+                <a:latin typeface="メイリオ" panose="020B0604030504040204" pitchFamily="50" charset="-128"/>
+                <a:ea typeface="メイリオ" panose="020B0604030504040204" pitchFamily="50" charset="-128"/>
+              </a:rPr>
+              <a:t>を右クリック</a:t>
+            </a:r>
+            <a:endParaRPr kumimoji="1" lang="en-US" altLang="ja-JP" sz="2400" dirty="0">
+              <a:latin typeface="メイリオ" panose="020B0604030504040204" pitchFamily="50" charset="-128"/>
+              <a:ea typeface="メイリオ" panose="020B0604030504040204" pitchFamily="50" charset="-128"/>
+            </a:endParaRPr>
+          </a:p>
+          <a:p>
+            <a:pPr algn="l"/>
+            <a:r>
+              <a:rPr kumimoji="1" lang="ja-JP" altLang="en-US" sz="2400" dirty="0">
+                <a:latin typeface="メイリオ" panose="020B0604030504040204" pitchFamily="50" charset="-128"/>
+                <a:ea typeface="メイリオ" panose="020B0604030504040204" pitchFamily="50" charset="-128"/>
+              </a:rPr>
+              <a:t>→　プログラムから開く　→　</a:t>
+            </a:r>
+            <a:r>
+              <a:rPr kumimoji="1" lang="en-US" altLang="ja-JP" sz="2400" dirty="0">
+                <a:latin typeface="メイリオ" panose="020B0604030504040204" pitchFamily="50" charset="-128"/>
+                <a:ea typeface="メイリオ" panose="020B0604030504040204" pitchFamily="50" charset="-128"/>
+              </a:rPr>
+              <a:t>Google Chrome</a:t>
+            </a:r>
+            <a:endParaRPr kumimoji="1" lang="ja-JP" altLang="en-US" sz="2400" dirty="0">
+              <a:latin typeface="メイリオ" panose="020B0604030504040204" pitchFamily="50" charset="-128"/>
+              <a:ea typeface="メイリオ" panose="020B0604030504040204" pitchFamily="50" charset="-128"/>
+            </a:endParaRPr>
+          </a:p>
+        </p:txBody>
+      </p:sp>
+      <p:pic>
+        <p:nvPicPr>
+          <p:cNvPr id="5" name="図 4">
+            <a:extLst>
+              <a:ext uri="{FF2B5EF4-FFF2-40B4-BE49-F238E27FC236}">
+                <a16:creationId xmlns:a16="http://schemas.microsoft.com/office/drawing/2014/main" id="{4DFA490E-F379-B1F4-8D32-8B6B6E862B31}"/>
+              </a:ext>
+            </a:extLst>
+          </p:cNvPr>
+          <p:cNvPicPr>
+            <a:picLocks noChangeAspect="1"/>
+          </p:cNvPicPr>
+          <p:nvPr/>
+        </p:nvPicPr>
+        <p:blipFill>
+          <a:blip r:embed="rId2"/>
+          <a:stretch>
+            <a:fillRect/>
+          </a:stretch>
+        </p:blipFill>
+        <p:spPr>
+          <a:xfrm>
+            <a:off x="1755035" y="2018169"/>
+            <a:ext cx="6591871" cy="4557155"/>
+          </a:xfrm>
+          <a:prstGeom prst="rect">
+            <a:avLst/>
+          </a:prstGeom>
+        </p:spPr>
+      </p:pic>
+    </p:spTree>
+    <p:extLst>
+      <p:ext uri="{BB962C8B-B14F-4D97-AF65-F5344CB8AC3E}">
+        <p14:creationId xmlns:p14="http://schemas.microsoft.com/office/powerpoint/2010/main" val="3809920460"/>
+      </p:ext>
+    </p:extLst>
+  </p:cSld>
+  <p:clrMapOvr>
+    <a:masterClrMapping/>
+  </p:clrMapOvr>
+  <p:transition spd="med"/>
+</p:sld>
+</file>
+
+<file path=ppt/slides/slide11.xml><?xml version="1.0" encoding="utf-8"?>
+<p:sld xmlns:a="http://schemas.openxmlformats.org/drawingml/2006/main" xmlns:r="http://schemas.openxmlformats.org/officeDocument/2006/relationships" xmlns:p="http://schemas.openxmlformats.org/presentationml/2006/main">
+  <p:cSld>
+    <p:spTree>
+      <p:nvGrpSpPr>
+        <p:cNvPr id="1" name=""/>
+        <p:cNvGrpSpPr/>
+        <p:nvPr/>
+      </p:nvGrpSpPr>
+      <p:grpSpPr>
+        <a:xfrm>
+          <a:off x="0" y="0"/>
+          <a:ext cx="0" cy="0"/>
+          <a:chOff x="0" y="0"/>
+          <a:chExt cx="0" cy="0"/>
+        </a:xfrm>
+      </p:grpSpPr>
+      <p:sp>
+        <p:nvSpPr>
+          <p:cNvPr id="2" name="テキスト ボックス 1">
+            <a:extLst>
+              <a:ext uri="{FF2B5EF4-FFF2-40B4-BE49-F238E27FC236}">
+                <a16:creationId xmlns:a16="http://schemas.microsoft.com/office/drawing/2014/main" id="{4B091F4D-5CFB-417E-3393-67BDF534901F}"/>
+              </a:ext>
+            </a:extLst>
+          </p:cNvPr>
+          <p:cNvSpPr txBox="1"/>
+          <p:nvPr/>
+        </p:nvSpPr>
+        <p:spPr>
+          <a:xfrm>
+            <a:off x="245038" y="228633"/>
+            <a:ext cx="3674404" cy="461665"/>
+          </a:xfrm>
+          <a:prstGeom prst="rect">
+            <a:avLst/>
+          </a:prstGeom>
+          <a:noFill/>
+        </p:spPr>
+        <p:txBody>
+          <a:bodyPr wrap="none" rtlCol="0">
+            <a:spAutoFit/>
+          </a:bodyPr>
+          <a:lstStyle/>
+          <a:p>
+            <a:pPr algn="l"/>
+            <a:r>
+              <a:rPr kumimoji="1" lang="ja-JP" altLang="en-US" sz="2400" dirty="0">
+                <a:latin typeface="メイリオ" panose="020B0604030504040204" pitchFamily="50" charset="-128"/>
+                <a:ea typeface="メイリオ" panose="020B0604030504040204" pitchFamily="50" charset="-128"/>
+              </a:rPr>
+              <a:t>動作確認</a:t>
+            </a:r>
+            <a:r>
+              <a:rPr kumimoji="1" lang="en-US" altLang="ja-JP" sz="2400" dirty="0">
+                <a:latin typeface="メイリオ" panose="020B0604030504040204" pitchFamily="50" charset="-128"/>
+                <a:ea typeface="メイリオ" panose="020B0604030504040204" pitchFamily="50" charset="-128"/>
+              </a:rPr>
+              <a:t> </a:t>
+            </a:r>
+            <a:r>
+              <a:rPr kumimoji="1" lang="ja-JP" altLang="en-US" sz="2400" dirty="0">
+                <a:latin typeface="メイリオ" panose="020B0604030504040204" pitchFamily="50" charset="-128"/>
+                <a:ea typeface="メイリオ" panose="020B0604030504040204" pitchFamily="50" charset="-128"/>
+              </a:rPr>
+              <a:t>もう一つの方法</a:t>
+            </a:r>
+            <a:endParaRPr kumimoji="1" lang="en-US" altLang="ja-JP" sz="2400" dirty="0">
+              <a:latin typeface="メイリオ" panose="020B0604030504040204" pitchFamily="50" charset="-128"/>
+              <a:ea typeface="メイリオ" panose="020B0604030504040204" pitchFamily="50" charset="-128"/>
+            </a:endParaRPr>
+          </a:p>
+        </p:txBody>
+      </p:sp>
+      <p:pic>
+        <p:nvPicPr>
+          <p:cNvPr id="4" name="図 3">
+            <a:extLst>
+              <a:ext uri="{FF2B5EF4-FFF2-40B4-BE49-F238E27FC236}">
+                <a16:creationId xmlns:a16="http://schemas.microsoft.com/office/drawing/2014/main" id="{3E5C7B6D-5261-67EB-E901-CAE8218BF84C}"/>
+              </a:ext>
+            </a:extLst>
+          </p:cNvPr>
+          <p:cNvPicPr>
+            <a:picLocks noChangeAspect="1"/>
+          </p:cNvPicPr>
+          <p:nvPr/>
+        </p:nvPicPr>
+        <p:blipFill>
+          <a:blip r:embed="rId2"/>
+          <a:stretch>
+            <a:fillRect/>
+          </a:stretch>
+        </p:blipFill>
+        <p:spPr>
+          <a:xfrm>
+            <a:off x="394328" y="1214396"/>
+            <a:ext cx="4414721" cy="2983202"/>
+          </a:xfrm>
+          <a:prstGeom prst="rect">
+            <a:avLst/>
+          </a:prstGeom>
+        </p:spPr>
+      </p:pic>
+      <p:sp>
+        <p:nvSpPr>
+          <p:cNvPr id="5" name="四角形: 角を丸くする 4">
+            <a:extLst>
+              <a:ext uri="{FF2B5EF4-FFF2-40B4-BE49-F238E27FC236}">
+                <a16:creationId xmlns:a16="http://schemas.microsoft.com/office/drawing/2014/main" id="{7A404B49-907F-46CF-AE83-5E16C43C804E}"/>
+              </a:ext>
+            </a:extLst>
+          </p:cNvPr>
+          <p:cNvSpPr/>
+          <p:nvPr/>
+        </p:nvSpPr>
+        <p:spPr>
+          <a:xfrm>
+            <a:off x="1034343" y="2583768"/>
+            <a:ext cx="1114053" cy="326571"/>
+          </a:xfrm>
+          <a:prstGeom prst="roundRect">
+            <a:avLst/>
+          </a:prstGeom>
+          <a:noFill/>
+          <a:ln>
+            <a:solidFill>
+              <a:srgbClr val="FF0000"/>
+            </a:solidFill>
+          </a:ln>
+        </p:spPr>
+        <p:style>
+          <a:lnRef idx="2">
+            <a:schemeClr val="accent1">
+              <a:shade val="15000"/>
+            </a:schemeClr>
+          </a:lnRef>
+          <a:fillRef idx="1">
+            <a:schemeClr val="accent1"/>
+          </a:fillRef>
+          <a:effectRef idx="0">
+            <a:schemeClr val="accent1"/>
+          </a:effectRef>
+          <a:fontRef idx="minor">
+            <a:schemeClr val="lt1"/>
+          </a:fontRef>
+        </p:style>
+        <p:txBody>
+          <a:bodyPr rtlCol="0" anchor="ctr"/>
+          <a:lstStyle/>
+          <a:p>
+            <a:pPr algn="ctr"/>
+            <a:endParaRPr kumimoji="1" lang="ja-JP" altLang="en-US"/>
+          </a:p>
+        </p:txBody>
+      </p:sp>
+      <p:sp>
+        <p:nvSpPr>
+          <p:cNvPr id="6" name="テキスト ボックス 5">
+            <a:extLst>
+              <a:ext uri="{FF2B5EF4-FFF2-40B4-BE49-F238E27FC236}">
+                <a16:creationId xmlns:a16="http://schemas.microsoft.com/office/drawing/2014/main" id="{0CCED166-1552-80C5-ED47-054C6D9AD008}"/>
+              </a:ext>
+            </a:extLst>
+          </p:cNvPr>
+          <p:cNvSpPr txBox="1"/>
+          <p:nvPr/>
+        </p:nvSpPr>
+        <p:spPr>
+          <a:xfrm>
+            <a:off x="317241" y="752730"/>
+            <a:ext cx="10144124" cy="461665"/>
+          </a:xfrm>
+          <a:prstGeom prst="rect">
+            <a:avLst/>
+          </a:prstGeom>
+          <a:noFill/>
+        </p:spPr>
+        <p:txBody>
+          <a:bodyPr wrap="none" rtlCol="0">
+            <a:spAutoFit/>
+          </a:bodyPr>
+          <a:lstStyle/>
+          <a:p>
+            <a:pPr algn="l"/>
+            <a:r>
+              <a:rPr kumimoji="1" lang="en-US" altLang="ja-JP" sz="2400" dirty="0">
+                <a:latin typeface="メイリオ" panose="020B0604030504040204" pitchFamily="50" charset="-128"/>
+                <a:ea typeface="メイリオ" panose="020B0604030504040204" pitchFamily="50" charset="-128"/>
+              </a:rPr>
+              <a:t>README.md</a:t>
+            </a:r>
+            <a:r>
+              <a:rPr kumimoji="1" lang="ja-JP" altLang="en-US" sz="2400" dirty="0">
+                <a:latin typeface="メイリオ" panose="020B0604030504040204" pitchFamily="50" charset="-128"/>
+                <a:ea typeface="メイリオ" panose="020B0604030504040204" pitchFamily="50" charset="-128"/>
+              </a:rPr>
+              <a:t>を右クリック→プロパティ→変更→</a:t>
+            </a:r>
+            <a:r>
+              <a:rPr kumimoji="1" lang="en-US" altLang="ja-JP" sz="2400" dirty="0">
+                <a:latin typeface="メイリオ" panose="020B0604030504040204" pitchFamily="50" charset="-128"/>
+                <a:ea typeface="メイリオ" panose="020B0604030504040204" pitchFamily="50" charset="-128"/>
+              </a:rPr>
+              <a:t>PC</a:t>
+            </a:r>
+            <a:r>
+              <a:rPr kumimoji="1" lang="ja-JP" altLang="en-US" sz="2400" dirty="0">
+                <a:latin typeface="メイリオ" panose="020B0604030504040204" pitchFamily="50" charset="-128"/>
+                <a:ea typeface="メイリオ" panose="020B0604030504040204" pitchFamily="50" charset="-128"/>
+              </a:rPr>
+              <a:t>でアプリを選択する</a:t>
+            </a:r>
+          </a:p>
+        </p:txBody>
+      </p:sp>
+      <p:pic>
+        <p:nvPicPr>
+          <p:cNvPr id="8" name="図 7">
+            <a:extLst>
+              <a:ext uri="{FF2B5EF4-FFF2-40B4-BE49-F238E27FC236}">
+                <a16:creationId xmlns:a16="http://schemas.microsoft.com/office/drawing/2014/main" id="{E35D7049-D757-C158-0F24-634358E1A8E9}"/>
+              </a:ext>
+            </a:extLst>
+          </p:cNvPr>
+          <p:cNvPicPr>
+            <a:picLocks noChangeAspect="1"/>
+          </p:cNvPicPr>
+          <p:nvPr/>
+        </p:nvPicPr>
+        <p:blipFill>
+          <a:blip r:embed="rId3"/>
+          <a:stretch>
+            <a:fillRect/>
+          </a:stretch>
+        </p:blipFill>
+        <p:spPr>
+          <a:xfrm>
+            <a:off x="5573212" y="1232070"/>
+            <a:ext cx="2668449" cy="3356539"/>
+          </a:xfrm>
+          <a:prstGeom prst="rect">
+            <a:avLst/>
+          </a:prstGeom>
+        </p:spPr>
+      </p:pic>
+      <p:pic>
+        <p:nvPicPr>
+          <p:cNvPr id="10" name="図 9">
+            <a:extLst>
+              <a:ext uri="{FF2B5EF4-FFF2-40B4-BE49-F238E27FC236}">
+                <a16:creationId xmlns:a16="http://schemas.microsoft.com/office/drawing/2014/main" id="{42F099F0-B992-2F6C-C626-F974BFAB7868}"/>
+              </a:ext>
+            </a:extLst>
+          </p:cNvPr>
+          <p:cNvPicPr>
+            <a:picLocks noChangeAspect="1"/>
+          </p:cNvPicPr>
+          <p:nvPr/>
+        </p:nvPicPr>
+        <p:blipFill>
+          <a:blip r:embed="rId4"/>
+          <a:stretch>
+            <a:fillRect/>
+          </a:stretch>
+        </p:blipFill>
+        <p:spPr>
+          <a:xfrm>
+            <a:off x="8881538" y="1196719"/>
+            <a:ext cx="2696628" cy="3391890"/>
+          </a:xfrm>
+          <a:prstGeom prst="rect">
+            <a:avLst/>
+          </a:prstGeom>
+        </p:spPr>
+      </p:pic>
+      <p:pic>
+        <p:nvPicPr>
+          <p:cNvPr id="12" name="図 11">
+            <a:extLst>
+              <a:ext uri="{FF2B5EF4-FFF2-40B4-BE49-F238E27FC236}">
+                <a16:creationId xmlns:a16="http://schemas.microsoft.com/office/drawing/2014/main" id="{BF590613-F532-BB20-0AA7-4C8040218354}"/>
+              </a:ext>
+            </a:extLst>
+          </p:cNvPr>
+          <p:cNvPicPr>
+            <a:picLocks noChangeAspect="1"/>
+          </p:cNvPicPr>
+          <p:nvPr/>
+        </p:nvPicPr>
+        <p:blipFill>
+          <a:blip r:embed="rId5"/>
+          <a:stretch>
+            <a:fillRect/>
+          </a:stretch>
+        </p:blipFill>
+        <p:spPr>
+          <a:xfrm>
+            <a:off x="613834" y="4361984"/>
+            <a:ext cx="3827178" cy="2381808"/>
+          </a:xfrm>
+          <a:prstGeom prst="rect">
+            <a:avLst/>
+          </a:prstGeom>
+        </p:spPr>
+      </p:pic>
+      <p:sp>
+        <p:nvSpPr>
+          <p:cNvPr id="13" name="矢印: 右 12">
+            <a:extLst>
+              <a:ext uri="{FF2B5EF4-FFF2-40B4-BE49-F238E27FC236}">
+                <a16:creationId xmlns:a16="http://schemas.microsoft.com/office/drawing/2014/main" id="{49EDB0F4-2E57-23AA-4595-9C0900E14809}"/>
+              </a:ext>
+            </a:extLst>
+          </p:cNvPr>
+          <p:cNvSpPr/>
+          <p:nvPr/>
+        </p:nvSpPr>
+        <p:spPr>
+          <a:xfrm>
+            <a:off x="5028595" y="2591693"/>
+            <a:ext cx="449357" cy="719091"/>
+          </a:xfrm>
+          <a:prstGeom prst="rightArrow">
+            <a:avLst/>
+          </a:prstGeom>
+        </p:spPr>
+        <p:style>
+          <a:lnRef idx="2">
+            <a:schemeClr val="accent1">
+              <a:shade val="15000"/>
+            </a:schemeClr>
+          </a:lnRef>
+          <a:fillRef idx="1">
+            <a:schemeClr val="accent1"/>
+          </a:fillRef>
+          <a:effectRef idx="0">
+            <a:schemeClr val="accent1"/>
+          </a:effectRef>
+          <a:fontRef idx="minor">
+            <a:schemeClr val="lt1"/>
+          </a:fontRef>
+        </p:style>
+        <p:txBody>
+          <a:bodyPr rtlCol="0" anchor="ctr"/>
+          <a:lstStyle/>
+          <a:p>
+            <a:pPr algn="ctr"/>
+            <a:endParaRPr kumimoji="1" lang="ja-JP" altLang="en-US"/>
+          </a:p>
+        </p:txBody>
+      </p:sp>
+      <p:sp>
+        <p:nvSpPr>
+          <p:cNvPr id="14" name="矢印: 右 13">
+            <a:extLst>
+              <a:ext uri="{FF2B5EF4-FFF2-40B4-BE49-F238E27FC236}">
+                <a16:creationId xmlns:a16="http://schemas.microsoft.com/office/drawing/2014/main" id="{44C1A163-D779-1593-CA73-6E58ECB01DAD}"/>
+              </a:ext>
+            </a:extLst>
+          </p:cNvPr>
+          <p:cNvSpPr/>
+          <p:nvPr/>
+        </p:nvSpPr>
+        <p:spPr>
+          <a:xfrm>
+            <a:off x="8337856" y="2591692"/>
+            <a:ext cx="449357" cy="719091"/>
+          </a:xfrm>
+          <a:prstGeom prst="rightArrow">
+            <a:avLst/>
+          </a:prstGeom>
+        </p:spPr>
+        <p:style>
+          <a:lnRef idx="2">
+            <a:schemeClr val="accent1">
+              <a:shade val="15000"/>
+            </a:schemeClr>
+          </a:lnRef>
+          <a:fillRef idx="1">
+            <a:schemeClr val="accent1"/>
+          </a:fillRef>
+          <a:effectRef idx="0">
+            <a:schemeClr val="accent1"/>
+          </a:effectRef>
+          <a:fontRef idx="minor">
+            <a:schemeClr val="lt1"/>
+          </a:fontRef>
+        </p:style>
+        <p:txBody>
+          <a:bodyPr rtlCol="0" anchor="ctr"/>
+          <a:lstStyle/>
+          <a:p>
+            <a:pPr algn="ctr"/>
+            <a:endParaRPr kumimoji="1" lang="ja-JP" altLang="en-US"/>
+          </a:p>
+        </p:txBody>
+      </p:sp>
+      <p:sp>
+        <p:nvSpPr>
+          <p:cNvPr id="15" name="四角形: 角を丸くする 14">
+            <a:extLst>
+              <a:ext uri="{FF2B5EF4-FFF2-40B4-BE49-F238E27FC236}">
+                <a16:creationId xmlns:a16="http://schemas.microsoft.com/office/drawing/2014/main" id="{6A2E9812-16F2-D861-BD25-CD4B5ABAC823}"/>
+              </a:ext>
+            </a:extLst>
+          </p:cNvPr>
+          <p:cNvSpPr/>
+          <p:nvPr/>
+        </p:nvSpPr>
+        <p:spPr>
+          <a:xfrm>
+            <a:off x="8925926" y="4262038"/>
+            <a:ext cx="1114053" cy="326571"/>
+          </a:xfrm>
+          <a:prstGeom prst="roundRect">
+            <a:avLst/>
+          </a:prstGeom>
+          <a:noFill/>
+          <a:ln>
+            <a:solidFill>
+              <a:srgbClr val="FF0000"/>
+            </a:solidFill>
+          </a:ln>
+        </p:spPr>
+        <p:style>
+          <a:lnRef idx="2">
+            <a:schemeClr val="accent1">
+              <a:shade val="15000"/>
+            </a:schemeClr>
+          </a:lnRef>
+          <a:fillRef idx="1">
+            <a:schemeClr val="accent1"/>
+          </a:fillRef>
+          <a:effectRef idx="0">
+            <a:schemeClr val="accent1"/>
+          </a:effectRef>
+          <a:fontRef idx="minor">
+            <a:schemeClr val="lt1"/>
+          </a:fontRef>
+        </p:style>
+        <p:txBody>
+          <a:bodyPr rtlCol="0" anchor="ctr"/>
+          <a:lstStyle/>
+          <a:p>
+            <a:pPr algn="ctr"/>
+            <a:endParaRPr kumimoji="1" lang="ja-JP" altLang="en-US"/>
+          </a:p>
+        </p:txBody>
+      </p:sp>
+    </p:spTree>
+    <p:extLst>
+      <p:ext uri="{BB962C8B-B14F-4D97-AF65-F5344CB8AC3E}">
+        <p14:creationId xmlns:p14="http://schemas.microsoft.com/office/powerpoint/2010/main" val="2894625549"/>
+      </p:ext>
+    </p:extLst>
+  </p:cSld>
+  <p:clrMapOvr>
+    <a:masterClrMapping/>
+  </p:clrMapOvr>
+  <p:transition spd="med"/>
+</p:sld>
+</file>
+
+<file path=ppt/slides/slide12.xml><?xml version="1.0" encoding="utf-8"?>
+<p:sld xmlns:a="http://schemas.openxmlformats.org/drawingml/2006/main" xmlns:r="http://schemas.openxmlformats.org/officeDocument/2006/relationships" xmlns:p="http://schemas.openxmlformats.org/presentationml/2006/main">
+  <p:cSld>
+    <p:spTree>
+      <p:nvGrpSpPr>
+        <p:cNvPr id="1" name=""/>
+        <p:cNvGrpSpPr/>
+        <p:nvPr/>
+      </p:nvGrpSpPr>
+      <p:grpSpPr>
+        <a:xfrm>
+          <a:off x="0" y="0"/>
+          <a:ext cx="0" cy="0"/>
+          <a:chOff x="0" y="0"/>
+          <a:chExt cx="0" cy="0"/>
+        </a:xfrm>
+      </p:grpSpPr>
+      <p:sp>
+        <p:nvSpPr>
           <p:cNvPr id="2" name="テキスト ボックス 1">
             <a:extLst>
               <a:ext uri="{FF2B5EF4-FFF2-40B4-BE49-F238E27FC236}">
@@ -3856,7 +4546,7 @@
 </p:sld>
 </file>
 
-<file path=ppt/slides/slide11.xml><?xml version="1.0" encoding="utf-8"?>
+<file path=ppt/slides/slide13.xml><?xml version="1.0" encoding="utf-8"?>
 <p:sld xmlns:a="http://schemas.openxmlformats.org/drawingml/2006/main" xmlns:r="http://schemas.openxmlformats.org/officeDocument/2006/relationships" xmlns:p="http://schemas.openxmlformats.org/presentationml/2006/main">
   <p:cSld>
     <p:spTree>
@@ -5517,7 +6207,7 @@
         </p:nvSpPr>
         <p:spPr>
           <a:xfrm>
-            <a:off x="709127" y="2771192"/>
+            <a:off x="735789" y="2467347"/>
             <a:ext cx="8270021" cy="830997"/>
           </a:xfrm>
           <a:prstGeom prst="rect">
@@ -5568,7 +6258,7 @@
         </p:nvSpPr>
         <p:spPr>
           <a:xfrm>
-            <a:off x="839755" y="2341984"/>
+            <a:off x="735789" y="2026513"/>
             <a:ext cx="3877985" cy="461665"/>
           </a:xfrm>
           <a:prstGeom prst="rect">
@@ -5589,6 +6279,75 @@
                 <a:ea typeface="メイリオ" panose="020B0604030504040204" pitchFamily="50" charset="-128"/>
               </a:rPr>
               <a:t>以下に従ってインストール</a:t>
+            </a:r>
+          </a:p>
+        </p:txBody>
+      </p:sp>
+      <p:pic>
+        <p:nvPicPr>
+          <p:cNvPr id="8" name="図 7">
+            <a:extLst>
+              <a:ext uri="{FF2B5EF4-FFF2-40B4-BE49-F238E27FC236}">
+                <a16:creationId xmlns:a16="http://schemas.microsoft.com/office/drawing/2014/main" id="{FF44B8F1-5AAA-254B-F8F5-44633C8E6AD3}"/>
+              </a:ext>
+            </a:extLst>
+          </p:cNvPr>
+          <p:cNvPicPr>
+            <a:picLocks noChangeAspect="1"/>
+          </p:cNvPicPr>
+          <p:nvPr/>
+        </p:nvPicPr>
+        <p:blipFill>
+          <a:blip r:embed="rId3"/>
+          <a:stretch>
+            <a:fillRect/>
+          </a:stretch>
+        </p:blipFill>
+        <p:spPr>
+          <a:xfrm>
+            <a:off x="643812" y="3553954"/>
+            <a:ext cx="5924605" cy="1987192"/>
+          </a:xfrm>
+          <a:prstGeom prst="rect">
+            <a:avLst/>
+          </a:prstGeom>
+        </p:spPr>
+      </p:pic>
+      <p:sp>
+        <p:nvSpPr>
+          <p:cNvPr id="9" name="テキスト ボックス 8">
+            <a:extLst>
+              <a:ext uri="{FF2B5EF4-FFF2-40B4-BE49-F238E27FC236}">
+                <a16:creationId xmlns:a16="http://schemas.microsoft.com/office/drawing/2014/main" id="{06DA9310-790D-9BB6-A53B-01EE7CAF86E1}"/>
+              </a:ext>
+            </a:extLst>
+          </p:cNvPr>
+          <p:cNvSpPr txBox="1"/>
+          <p:nvPr/>
+        </p:nvSpPr>
+        <p:spPr>
+          <a:xfrm>
+            <a:off x="802343" y="3170780"/>
+            <a:ext cx="3570208" cy="461665"/>
+          </a:xfrm>
+          <a:prstGeom prst="rect">
+            <a:avLst/>
+          </a:prstGeom>
+          <a:noFill/>
+        </p:spPr>
+        <p:txBody>
+          <a:bodyPr wrap="none" rtlCol="0">
+            <a:spAutoFit/>
+          </a:bodyPr>
+          <a:lstStyle/>
+          <a:p>
+            <a:pPr algn="l"/>
+            <a:r>
+              <a:rPr kumimoji="1" lang="ja-JP" altLang="en-US" sz="2400" dirty="0">
+                <a:latin typeface="メイリオ" panose="020B0604030504040204" pitchFamily="50" charset="-128"/>
+                <a:ea typeface="メイリオ" panose="020B0604030504040204" pitchFamily="50" charset="-128"/>
+              </a:rPr>
+              <a:t>以下の設定をお忘れなく</a:t>
             </a:r>
           </a:p>
         </p:txBody>
